--- a/Capstone project week2.pptx
+++ b/Capstone project week2.pptx
@@ -4642,8 +4642,12 @@
           </a:p>
           <a:p>
             <a:r>
+              <a:rPr lang="en-IN" dirty="0" err="1" smtClean="0"/>
+              <a:t>Md</a:t>
+            </a:r>
+            <a:r>
               <a:rPr lang="en-IN" dirty="0" smtClean="0"/>
-              <a:t>Zaid </a:t>
+              <a:t> Zaid </a:t>
             </a:r>
             <a:r>
               <a:rPr lang="en-IN" dirty="0" err="1" smtClean="0"/>
@@ -4861,19 +4865,19 @@
               <a:t> libraries and used the latitude from the </a:t>
             </a:r>
             <a:r>
-              <a:rPr lang="en-IN" dirty="0" err="1"/>
-              <a:t>libaray</a:t>
+              <a:rPr lang="en-IN" dirty="0" smtClean="0"/>
+              <a:t>library </a:t>
             </a:r>
             <a:r>
               <a:rPr lang="en-IN" dirty="0"/>
-              <a:t> hen passing the address.</a:t>
-            </a:r>
-          </a:p>
-          <a:p>
-            <a:r>
-              <a:rPr lang="en-IN" dirty="0"/>
-              <a:t> </a:t>
-            </a:r>
+              <a:t>hen passing the address.</a:t>
+            </a:r>
+          </a:p>
+          <a:p>
+            <a:pPr marL="109728" indent="0">
+              <a:buNone/>
+            </a:pPr>
+            <a:endParaRPr lang="en-IN" dirty="0"/>
           </a:p>
           <a:p>
             <a:r>
@@ -4881,28 +4885,28 @@
               <a:t>I used folium , </a:t>
             </a:r>
             <a:r>
-              <a:rPr lang="en-IN" dirty="0" err="1"/>
-              <a:t>libarary</a:t>
+              <a:rPr lang="en-IN" dirty="0" smtClean="0"/>
+              <a:t>library </a:t>
             </a:r>
             <a:r>
               <a:rPr lang="en-IN" dirty="0"/>
-              <a:t> to </a:t>
-            </a:r>
-            <a:r>
-              <a:rPr lang="en-IN" dirty="0" err="1"/>
-              <a:t>plt</a:t>
+              <a:t>to </a:t>
+            </a:r>
+            <a:r>
+              <a:rPr lang="en-IN" dirty="0" smtClean="0"/>
+              <a:t>plot </a:t>
             </a:r>
             <a:r>
               <a:rPr lang="en-IN" dirty="0"/>
-              <a:t> the map from the co-</a:t>
-            </a:r>
-            <a:r>
-              <a:rPr lang="en-IN" dirty="0" err="1"/>
-              <a:t>ordibates</a:t>
+              <a:t>the map from the </a:t>
+            </a:r>
+            <a:r>
+              <a:rPr lang="en-IN" dirty="0" smtClean="0"/>
+              <a:t>co-ordinates </a:t>
             </a:r>
             <a:r>
               <a:rPr lang="en-IN" dirty="0"/>
-              <a:t> extracted from </a:t>
+              <a:t>extracted from </a:t>
             </a:r>
             <a:r>
               <a:rPr lang="en-IN" dirty="0" err="1"/>
@@ -5338,8 +5342,32 @@
               <a:rPr lang="en-IN" sz="1400" b="0" dirty="0" smtClean="0">
                 <a:effectLst/>
               </a:rPr>
-              <a:t>Plot the restaurants in blue and among them red point for the Italian restaurant</a:t>
-            </a:r>
+              <a:t>Plot the restaurants in blue and among them red point for the Italian </a:t>
+            </a:r>
+            <a:r>
+              <a:rPr lang="en-IN" sz="1400" b="0" dirty="0" smtClean="0">
+                <a:effectLst/>
+              </a:rPr>
+              <a:t>restaurant</a:t>
+            </a:r>
+            <a:br>
+              <a:rPr lang="en-IN" sz="1400" b="0" dirty="0" smtClean="0">
+                <a:effectLst/>
+              </a:rPr>
+            </a:br>
+            <a:r>
+              <a:rPr lang="en-IN" sz="1400" b="0" dirty="0">
+                <a:effectLst/>
+              </a:rPr>
+              <a:t>By the map and the data , we will apply k-means and found the list of segments(area) in Bangalore where opening Italian Restaurant would be beneficial</a:t>
+            </a:r>
+            <a:r>
+              <a:rPr lang="en-IN" sz="1400" dirty="0"/>
+              <a:t/>
+            </a:r>
+            <a:br>
+              <a:rPr lang="en-IN" sz="1400" dirty="0"/>
+            </a:br>
             <a:endParaRPr lang="en-IN" sz="1400" b="0" dirty="0">
               <a:effectLst/>
             </a:endParaRPr>
@@ -5450,13 +5478,91 @@
         </p:spPr>
         <p:txBody>
           <a:bodyPr>
-            <a:normAutofit/>
+            <a:normAutofit fontScale="55000" lnSpcReduction="20000"/>
           </a:bodyPr>
           <a:lstStyle/>
           <a:p>
-            <a:r>
-              <a:rPr lang="en-IN" sz="2000" dirty="0" smtClean="0"/>
-              <a:t>By the map and the data , we will apply k-means and found the list of segments(area) in Bangalore where opening Italian Restaurant would be beneficial</a:t>
+            <a:endParaRPr lang="en-IN" sz="2000" dirty="0" smtClean="0"/>
+          </a:p>
+          <a:p>
+            <a:r>
+              <a:rPr lang="en-IN" sz="4000" b="1" u="sng" dirty="0" smtClean="0"/>
+              <a:t>Conclusion:</a:t>
+            </a:r>
+            <a:endParaRPr lang="en-IN" sz="4000" b="1" u="sng" dirty="0"/>
+          </a:p>
+          <a:p>
+            <a:endParaRPr lang="en-IN" sz="2000" dirty="0" smtClean="0"/>
+          </a:p>
+          <a:p>
+            <a:endParaRPr lang="en-IN" sz="2600" dirty="0" smtClean="0">
+              <a:latin typeface="Arial Narrow" panose="020B0606020202030204" pitchFamily="34" charset="0"/>
+            </a:endParaRPr>
+          </a:p>
+          <a:p>
+            <a:pPr algn="just"/>
+            <a:r>
+              <a:rPr lang="en-IN" sz="2900" dirty="0" smtClean="0"/>
+              <a:t>Purpose </a:t>
+            </a:r>
+            <a:r>
+              <a:rPr lang="en-IN" sz="2900" dirty="0"/>
+              <a:t>of this project was to identify </a:t>
+            </a:r>
+            <a:r>
+              <a:rPr lang="en-IN" sz="2900" dirty="0" err="1"/>
+              <a:t>Banglore</a:t>
+            </a:r>
+            <a:r>
+              <a:rPr lang="en-IN" sz="2900" dirty="0"/>
+              <a:t> areas close to </a:t>
+            </a:r>
+            <a:r>
+              <a:rPr lang="en-IN" sz="2900" dirty="0" err="1"/>
+              <a:t>center</a:t>
+            </a:r>
+            <a:r>
+              <a:rPr lang="en-IN" sz="2900" dirty="0"/>
+              <a:t> with low number of restaurants (particularly Italian restaurants) in order to aid stakeholders in narrowing down the search for optimal location for a new Italian restaurant. By calculating restaurant density distribution from Foursquare data we have first identified general boroughs that justify further analysis , and then generated extensive collection of locations which satisfy some basic requirements regarding existing nearby restaurants. Clustering of those locations was then performed in order to create major zones of interest (containing greatest number of potential locations) and addresses of those zone </a:t>
+            </a:r>
+            <a:r>
+              <a:rPr lang="en-IN" sz="2900" dirty="0" err="1"/>
+              <a:t>centers</a:t>
+            </a:r>
+            <a:r>
+              <a:rPr lang="en-IN" sz="2900" dirty="0"/>
+              <a:t> were created to be used as starting points for final exploration by stakeholders.</a:t>
+            </a:r>
+          </a:p>
+          <a:p>
+            <a:pPr algn="just"/>
+            <a:r>
+              <a:rPr lang="en-IN" sz="2900" dirty="0"/>
+              <a:t>Final </a:t>
+            </a:r>
+            <a:r>
+              <a:rPr lang="en-IN" sz="2900" dirty="0" err="1"/>
+              <a:t>decission</a:t>
+            </a:r>
+            <a:r>
+              <a:rPr lang="en-IN" sz="2900" dirty="0"/>
+              <a:t> on optimal restaurant location will be made by stakeholders based on specific characteristics of </a:t>
+            </a:r>
+            <a:r>
+              <a:rPr lang="en-IN" sz="2900" dirty="0" err="1"/>
+              <a:t>neighborhoods</a:t>
+            </a:r>
+            <a:r>
+              <a:rPr lang="en-IN" sz="2900" dirty="0"/>
+              <a:t> and locations in every recommended zone, taking into consideration additional factors like attractiveness of each location (proximity to park or water), levels of noise / proximity to major roads, real estate availability, prices, social and economic dynamics of every </a:t>
+            </a:r>
+            <a:r>
+              <a:rPr lang="en-IN" sz="2900" dirty="0" err="1"/>
+              <a:t>neighborhood</a:t>
+            </a:r>
+            <a:r>
+              <a:rPr lang="en-IN" sz="2900" dirty="0"/>
+              <a:t> etc.</a:t>
             </a:r>
           </a:p>
           <a:p>
